--- a/TPI/Informe/Presentacion_Grupo02.pptx
+++ b/TPI/Informe/Presentacion_Grupo02.pptx
@@ -541,7 +541,7 @@
             </a:pPr>
             <a:r>
               <a:rPr lang="es-AR" dirty="0"/>
-              <a:t>Épocas</a:t>
+              <a:t>Capas</a:t>
             </a:r>
           </a:p>
           <a:p>
@@ -550,12 +550,42 @@
               <a:buChar char="•"/>
             </a:pPr>
             <a:r>
+              <a:rPr lang="es-AR" dirty="0"/>
+              <a:t>Densa</a:t>
+            </a:r>
+          </a:p>
+          <a:p>
+            <a:pPr marL="171450" indent="-171450">
+              <a:buFont typeface="Arial" panose="020B0604020202020204" pitchFamily="34" charset="0"/>
+              <a:buChar char="•"/>
+            </a:pPr>
+            <a:r>
+              <a:rPr lang="es-AR" dirty="0"/>
+              <a:t>Fórmula</a:t>
+            </a:r>
+          </a:p>
+          <a:p>
+            <a:pPr marL="171450" indent="-171450">
+              <a:buFont typeface="Arial" panose="020B0604020202020204" pitchFamily="34" charset="0"/>
+              <a:buChar char="•"/>
+            </a:pPr>
+            <a:r>
+              <a:rPr lang="es-AR" dirty="0"/>
+              <a:t>Épocas</a:t>
+            </a:r>
+          </a:p>
+          <a:p>
+            <a:pPr marL="171450" indent="-171450">
+              <a:buFont typeface="Arial" panose="020B0604020202020204" pitchFamily="34" charset="0"/>
+              <a:buChar char="•"/>
+            </a:pPr>
+            <a:r>
               <a:rPr lang="es-AR" dirty="0" err="1"/>
               <a:t>Optimizer</a:t>
             </a:r>
             <a:r>
               <a:rPr lang="es-AR" dirty="0"/>
-              <a:t> y learning </a:t>
+              <a:t> (Adam) y learning </a:t>
             </a:r>
             <a:r>
               <a:rPr lang="es-AR" dirty="0" err="1"/>
@@ -563,7 +593,7 @@
             </a:r>
             <a:r>
               <a:rPr lang="es-AR" dirty="0"/>
-              <a:t>.</a:t>
+              <a:t> (pasos de ajuste).</a:t>
             </a:r>
           </a:p>
         </p:txBody>
@@ -595,6 +625,287 @@
     <p:extLst>
       <p:ext uri="{BB962C8B-B14F-4D97-AF65-F5344CB8AC3E}">
         <p14:creationId xmlns:p14="http://schemas.microsoft.com/office/powerpoint/2010/main" val="116797685"/>
+      </p:ext>
+    </p:extLst>
+  </p:cSld>
+  <p:clrMapOvr>
+    <a:masterClrMapping/>
+  </p:clrMapOvr>
+</p:notes>
+</file>
+
+<file path=ppt/notesSlides/notesSlide2.xml><?xml version="1.0" encoding="utf-8"?>
+<p:notes xmlns:a="http://schemas.openxmlformats.org/drawingml/2006/main" xmlns:r="http://schemas.openxmlformats.org/officeDocument/2006/relationships" xmlns:p="http://schemas.openxmlformats.org/presentationml/2006/main">
+  <p:cSld>
+    <p:spTree>
+      <p:nvGrpSpPr>
+        <p:cNvPr id="1" name=""/>
+        <p:cNvGrpSpPr/>
+        <p:nvPr/>
+      </p:nvGrpSpPr>
+      <p:grpSpPr>
+        <a:xfrm>
+          <a:off x="0" y="0"/>
+          <a:ext cx="0" cy="0"/>
+          <a:chOff x="0" y="0"/>
+          <a:chExt cx="0" cy="0"/>
+        </a:xfrm>
+      </p:grpSpPr>
+      <p:sp>
+        <p:nvSpPr>
+          <p:cNvPr id="2" name="Marcador de imagen de diapositiva 1"/>
+          <p:cNvSpPr>
+            <a:spLocks noGrp="1" noRot="1" noChangeAspect="1"/>
+          </p:cNvSpPr>
+          <p:nvPr>
+            <p:ph type="sldImg"/>
+          </p:nvPr>
+        </p:nvSpPr>
+        <p:spPr/>
+      </p:sp>
+      <p:sp>
+        <p:nvSpPr>
+          <p:cNvPr id="3" name="Marcador de notas 2"/>
+          <p:cNvSpPr>
+            <a:spLocks noGrp="1"/>
+          </p:cNvSpPr>
+          <p:nvPr>
+            <p:ph type="body" idx="1"/>
+          </p:nvPr>
+        </p:nvSpPr>
+        <p:spPr/>
+        <p:txBody>
+          <a:bodyPr/>
+          <a:lstStyle/>
+          <a:p>
+            <a:r>
+              <a:rPr lang="es-AR" dirty="0"/>
+              <a:t>Función </a:t>
+            </a:r>
+            <a:r>
+              <a:rPr lang="es-AR" dirty="0" err="1"/>
+              <a:t>signoide</a:t>
+            </a:r>
+            <a:r>
+              <a:rPr lang="es-AR" dirty="0"/>
+              <a:t>.</a:t>
+            </a:r>
+          </a:p>
+          <a:p>
+            <a:r>
+              <a:rPr lang="es-AR" dirty="0"/>
+              <a:t>Tangente hiperbólica (escala la información a valores entre -1 y 1, e introduce la no linealidad [relaciones complejas])</a:t>
+            </a:r>
+          </a:p>
+        </p:txBody>
+      </p:sp>
+      <p:sp>
+        <p:nvSpPr>
+          <p:cNvPr id="4" name="Marcador de número de diapositiva 3"/>
+          <p:cNvSpPr>
+            <a:spLocks noGrp="1"/>
+          </p:cNvSpPr>
+          <p:nvPr>
+            <p:ph type="sldNum" sz="quarter" idx="5"/>
+          </p:nvPr>
+        </p:nvSpPr>
+        <p:spPr/>
+        <p:txBody>
+          <a:bodyPr/>
+          <a:lstStyle/>
+          <a:p>
+            <a:fld id="{59CCB1B1-0E7C-4085-A268-1EEE60E32813}" type="slidenum">
+              <a:rPr lang="es-AR" smtClean="0"/>
+              <a:t>7</a:t>
+            </a:fld>
+            <a:endParaRPr lang="es-AR"/>
+          </a:p>
+        </p:txBody>
+      </p:sp>
+    </p:spTree>
+    <p:extLst>
+      <p:ext uri="{BB962C8B-B14F-4D97-AF65-F5344CB8AC3E}">
+        <p14:creationId xmlns:p14="http://schemas.microsoft.com/office/powerpoint/2010/main" val="4049817150"/>
+      </p:ext>
+    </p:extLst>
+  </p:cSld>
+  <p:clrMapOvr>
+    <a:masterClrMapping/>
+  </p:clrMapOvr>
+</p:notes>
+</file>
+
+<file path=ppt/notesSlides/notesSlide3.xml><?xml version="1.0" encoding="utf-8"?>
+<p:notes xmlns:a="http://schemas.openxmlformats.org/drawingml/2006/main" xmlns:r="http://schemas.openxmlformats.org/officeDocument/2006/relationships" xmlns:p="http://schemas.openxmlformats.org/presentationml/2006/main">
+  <p:cSld>
+    <p:spTree>
+      <p:nvGrpSpPr>
+        <p:cNvPr id="1" name=""/>
+        <p:cNvGrpSpPr/>
+        <p:nvPr/>
+      </p:nvGrpSpPr>
+      <p:grpSpPr>
+        <a:xfrm>
+          <a:off x="0" y="0"/>
+          <a:ext cx="0" cy="0"/>
+          <a:chOff x="0" y="0"/>
+          <a:chExt cx="0" cy="0"/>
+        </a:xfrm>
+      </p:grpSpPr>
+      <p:sp>
+        <p:nvSpPr>
+          <p:cNvPr id="2" name="Marcador de imagen de diapositiva 1"/>
+          <p:cNvSpPr>
+            <a:spLocks noGrp="1" noRot="1" noChangeAspect="1"/>
+          </p:cNvSpPr>
+          <p:nvPr>
+            <p:ph type="sldImg"/>
+          </p:nvPr>
+        </p:nvSpPr>
+        <p:spPr/>
+      </p:sp>
+      <p:sp>
+        <p:nvSpPr>
+          <p:cNvPr id="3" name="Marcador de notas 2"/>
+          <p:cNvSpPr>
+            <a:spLocks noGrp="1"/>
+          </p:cNvSpPr>
+          <p:nvPr>
+            <p:ph type="body" idx="1"/>
+          </p:nvPr>
+        </p:nvSpPr>
+        <p:spPr/>
+        <p:txBody>
+          <a:bodyPr/>
+          <a:lstStyle/>
+          <a:p>
+            <a:r>
+              <a:rPr lang="es-AR" dirty="0"/>
+              <a:t>Nodos internos son condiciones.</a:t>
+            </a:r>
+          </a:p>
+          <a:p>
+            <a:r>
+              <a:rPr lang="es-AR" dirty="0"/>
+              <a:t>Selección mediante MSE. Los datos se reparten entre divisiones.</a:t>
+            </a:r>
+          </a:p>
+        </p:txBody>
+      </p:sp>
+      <p:sp>
+        <p:nvSpPr>
+          <p:cNvPr id="4" name="Marcador de número de diapositiva 3"/>
+          <p:cNvSpPr>
+            <a:spLocks noGrp="1"/>
+          </p:cNvSpPr>
+          <p:nvPr>
+            <p:ph type="sldNum" sz="quarter" idx="5"/>
+          </p:nvPr>
+        </p:nvSpPr>
+        <p:spPr/>
+        <p:txBody>
+          <a:bodyPr/>
+          <a:lstStyle/>
+          <a:p>
+            <a:fld id="{59CCB1B1-0E7C-4085-A268-1EEE60E32813}" type="slidenum">
+              <a:rPr lang="es-AR" smtClean="0"/>
+              <a:t>8</a:t>
+            </a:fld>
+            <a:endParaRPr lang="es-AR"/>
+          </a:p>
+        </p:txBody>
+      </p:sp>
+    </p:spTree>
+    <p:extLst>
+      <p:ext uri="{BB962C8B-B14F-4D97-AF65-F5344CB8AC3E}">
+        <p14:creationId xmlns:p14="http://schemas.microsoft.com/office/powerpoint/2010/main" val="3004669431"/>
+      </p:ext>
+    </p:extLst>
+  </p:cSld>
+  <p:clrMapOvr>
+    <a:masterClrMapping/>
+  </p:clrMapOvr>
+</p:notes>
+</file>
+
+<file path=ppt/notesSlides/notesSlide4.xml><?xml version="1.0" encoding="utf-8"?>
+<p:notes xmlns:a="http://schemas.openxmlformats.org/drawingml/2006/main" xmlns:r="http://schemas.openxmlformats.org/officeDocument/2006/relationships" xmlns:p="http://schemas.openxmlformats.org/presentationml/2006/main">
+  <p:cSld>
+    <p:spTree>
+      <p:nvGrpSpPr>
+        <p:cNvPr id="1" name=""/>
+        <p:cNvGrpSpPr/>
+        <p:nvPr/>
+      </p:nvGrpSpPr>
+      <p:grpSpPr>
+        <a:xfrm>
+          <a:off x="0" y="0"/>
+          <a:ext cx="0" cy="0"/>
+          <a:chOff x="0" y="0"/>
+          <a:chExt cx="0" cy="0"/>
+        </a:xfrm>
+      </p:grpSpPr>
+      <p:sp>
+        <p:nvSpPr>
+          <p:cNvPr id="2" name="Marcador de imagen de diapositiva 1"/>
+          <p:cNvSpPr>
+            <a:spLocks noGrp="1" noRot="1" noChangeAspect="1"/>
+          </p:cNvSpPr>
+          <p:nvPr>
+            <p:ph type="sldImg"/>
+          </p:nvPr>
+        </p:nvSpPr>
+        <p:spPr/>
+      </p:sp>
+      <p:sp>
+        <p:nvSpPr>
+          <p:cNvPr id="3" name="Marcador de notas 2"/>
+          <p:cNvSpPr>
+            <a:spLocks noGrp="1"/>
+          </p:cNvSpPr>
+          <p:nvPr>
+            <p:ph type="body" idx="1"/>
+          </p:nvPr>
+        </p:nvSpPr>
+        <p:spPr/>
+        <p:txBody>
+          <a:bodyPr/>
+          <a:lstStyle/>
+          <a:p>
+            <a:r>
+              <a:rPr lang="es-AR" dirty="0"/>
+              <a:t>El primer árbol aproxima lo predicho, los demás aproximan su error para corregirlo.</a:t>
+            </a:r>
+          </a:p>
+        </p:txBody>
+      </p:sp>
+      <p:sp>
+        <p:nvSpPr>
+          <p:cNvPr id="4" name="Marcador de número de diapositiva 3"/>
+          <p:cNvSpPr>
+            <a:spLocks noGrp="1"/>
+          </p:cNvSpPr>
+          <p:nvPr>
+            <p:ph type="sldNum" sz="quarter" idx="5"/>
+          </p:nvPr>
+        </p:nvSpPr>
+        <p:spPr/>
+        <p:txBody>
+          <a:bodyPr/>
+          <a:lstStyle/>
+          <a:p>
+            <a:fld id="{59CCB1B1-0E7C-4085-A268-1EEE60E32813}" type="slidenum">
+              <a:rPr lang="es-AR" smtClean="0"/>
+              <a:t>9</a:t>
+            </a:fld>
+            <a:endParaRPr lang="es-AR"/>
+          </a:p>
+        </p:txBody>
+      </p:sp>
+    </p:spTree>
+    <p:extLst>
+      <p:ext uri="{BB962C8B-B14F-4D97-AF65-F5344CB8AC3E}">
+        <p14:creationId xmlns:p14="http://schemas.microsoft.com/office/powerpoint/2010/main" val="3485686597"/>
       </p:ext>
     </p:extLst>
   </p:cSld>
@@ -11205,7 +11516,7 @@
               <a:t>Redes </a:t>
             </a:r>
             <a:r>
-              <a:rPr lang="en-US" sz="3100" dirty="0" err="1"/>
+              <a:rPr lang="es-AR" sz="3100" noProof="0" dirty="0"/>
               <a:t>Neuronales</a:t>
             </a:r>
             <a:endParaRPr lang="en-US" sz="3100" dirty="0"/>
@@ -13442,7 +13753,7 @@
           <p:nvPr/>
         </p:nvPicPr>
         <p:blipFill>
-          <a:blip r:embed="rId2"/>
+          <a:blip r:embed="rId3"/>
           <a:stretch>
             <a:fillRect/>
           </a:stretch>
@@ -15456,7 +15767,7 @@
           <p:nvPr/>
         </p:nvPicPr>
         <p:blipFill>
-          <a:blip r:embed="rId2"/>
+          <a:blip r:embed="rId3"/>
           <a:stretch>
             <a:fillRect/>
           </a:stretch>
@@ -15635,7 +15946,7 @@
           <p:nvPr/>
         </p:nvPicPr>
         <p:blipFill>
-          <a:blip r:embed="rId2"/>
+          <a:blip r:embed="rId3"/>
           <a:stretch>
             <a:fillRect/>
           </a:stretch>
